--- a/DATOS COVID Chile 2022 04 30.pptx
+++ b/DATOS COVID Chile 2022 04 30.pptx
@@ -6420,10 +6420,10 @@
       </p:sp>
       <p:pic>
         <p:nvPicPr>
-          <p:cNvPr id="3" name="Picture 2" descr="Chart&#10;&#10;Description automatically generated">
-            <a:extLst>
-              <a:ext uri="{FF2B5EF4-FFF2-40B4-BE49-F238E27FC236}">
-                <a16:creationId xmlns:a16="http://schemas.microsoft.com/office/drawing/2014/main" id="{E801B14C-A0CC-CE64-C494-67B880AEAEA3}"/>
+          <p:cNvPr id="4" name="Picture 3" descr="Chart&#10;&#10;Description automatically generated">
+            <a:extLst>
+              <a:ext uri="{FF2B5EF4-FFF2-40B4-BE49-F238E27FC236}">
+                <a16:creationId xmlns:a16="http://schemas.microsoft.com/office/drawing/2014/main" id="{92097F50-8579-449B-8692-6CCACB515890}"/>
               </a:ext>
             </a:extLst>
           </p:cNvPr>
@@ -6440,8 +6440,8 @@
         </p:blipFill>
         <p:spPr>
           <a:xfrm>
-            <a:off x="1966600" y="719355"/>
-            <a:ext cx="9869094" cy="5730007"/>
+            <a:off x="1430999" y="875854"/>
+            <a:ext cx="9330000" cy="5417008"/>
           </a:xfrm>
           <a:prstGeom prst="rect">
             <a:avLst/>
